--- a/SQL/SQL-ADO.Net.pptx
+++ b/SQL/SQL-ADO.Net.pptx
@@ -5,10 +5,10 @@
     <p:sldMasterId id="2147483711" r:id="rId1"/>
   </p:sldMasterIdLst>
   <p:notesMasterIdLst>
-    <p:notesMasterId r:id="rId15"/>
+    <p:notesMasterId r:id="rId16"/>
   </p:notesMasterIdLst>
   <p:handoutMasterIdLst>
-    <p:handoutMasterId r:id="rId16"/>
+    <p:handoutMasterId r:id="rId17"/>
   </p:handoutMasterIdLst>
   <p:sldIdLst>
     <p:sldId id="256" r:id="rId2"/>
@@ -24,6 +24,7 @@
     <p:sldId id="279" r:id="rId12"/>
     <p:sldId id="276" r:id="rId13"/>
     <p:sldId id="277" r:id="rId14"/>
+    <p:sldId id="280" r:id="rId15"/>
   </p:sldIdLst>
   <p:sldSz cx="12192000" cy="6858000"/>
   <p:notesSz cx="6858000" cy="9945688"/>
@@ -853,7 +854,7 @@
           <a:effectLst/>
           <a:extLst>
             <a:ext uri="{91240B29-F687-4f45-9708-019B960494DF}">
-              <a14:hiddenLine xmlns:a14="http://schemas.microsoft.com/office/drawing/2010/main" xmlns="" w="9525">
+              <a14:hiddenLine xmlns="" xmlns:a14="http://schemas.microsoft.com/office/drawing/2010/main" w="9525">
                 <a:solidFill>
                   <a:srgbClr val="000000"/>
                 </a:solidFill>
@@ -2375,7 +2376,7 @@
           <a:ln/>
           <a:extLst>
             <a:ext uri="{91240B29-F687-4f45-9708-019B960494DF}">
-              <a14:hiddenLine xmlns:a14="http://schemas.microsoft.com/office/drawing/2010/main" xmlns="" w="9525">
+              <a14:hiddenLine xmlns="" xmlns:a14="http://schemas.microsoft.com/office/drawing/2010/main" w="9525">
                 <a:solidFill>
                   <a:srgbClr val="000000"/>
                 </a:solidFill>
@@ -2650,7 +2651,7 @@
           <a:ln/>
           <a:extLst>
             <a:ext uri="{91240B29-F687-4f45-9708-019B960494DF}">
-              <a14:hiddenLine xmlns:a14="http://schemas.microsoft.com/office/drawing/2010/main" xmlns="" w="9525">
+              <a14:hiddenLine xmlns="" xmlns:a14="http://schemas.microsoft.com/office/drawing/2010/main" w="9525">
                 <a:solidFill>
                   <a:srgbClr val="000000"/>
                 </a:solidFill>
@@ -2933,7 +2934,7 @@
           <a:ln/>
           <a:extLst>
             <a:ext uri="{91240B29-F687-4f45-9708-019B960494DF}">
-              <a14:hiddenLine xmlns:a14="http://schemas.microsoft.com/office/drawing/2010/main" xmlns="" w="9525">
+              <a14:hiddenLine xmlns="" xmlns:a14="http://schemas.microsoft.com/office/drawing/2010/main" w="9525">
                 <a:solidFill>
                   <a:srgbClr val="000000"/>
                 </a:solidFill>
@@ -3522,7 +3523,7 @@
           <a:ln/>
           <a:extLst>
             <a:ext uri="{91240B29-F687-4f45-9708-019B960494DF}">
-              <a14:hiddenLine xmlns:a14="http://schemas.microsoft.com/office/drawing/2010/main" xmlns="" w="9525">
+              <a14:hiddenLine xmlns="" xmlns:a14="http://schemas.microsoft.com/office/drawing/2010/main" w="9525">
                 <a:solidFill>
                   <a:srgbClr val="000000"/>
                 </a:solidFill>
@@ -3861,7 +3862,7 @@
           <a:ln/>
           <a:extLst>
             <a:ext uri="{91240B29-F687-4f45-9708-019B960494DF}">
-              <a14:hiddenLine xmlns:a14="http://schemas.microsoft.com/office/drawing/2010/main" xmlns="" w="9525">
+              <a14:hiddenLine xmlns="" xmlns:a14="http://schemas.microsoft.com/office/drawing/2010/main" w="9525">
                 <a:solidFill>
                   <a:srgbClr val="000000"/>
                 </a:solidFill>
@@ -4338,7 +4339,7 @@
           <a:ln/>
           <a:extLst>
             <a:ext uri="{91240B29-F687-4f45-9708-019B960494DF}">
-              <a14:hiddenLine xmlns:a14="http://schemas.microsoft.com/office/drawing/2010/main" xmlns="" w="9525">
+              <a14:hiddenLine xmlns="" xmlns:a14="http://schemas.microsoft.com/office/drawing/2010/main" w="9525">
                 <a:solidFill>
                   <a:srgbClr val="000000"/>
                 </a:solidFill>
@@ -4767,7 +4768,7 @@
           <a:ln/>
           <a:extLst>
             <a:ext uri="{91240B29-F687-4f45-9708-019B960494DF}">
-              <a14:hiddenLine xmlns:a14="http://schemas.microsoft.com/office/drawing/2010/main" xmlns="" w="9525">
+              <a14:hiddenLine xmlns="" xmlns:a14="http://schemas.microsoft.com/office/drawing/2010/main" w="9525">
                 <a:solidFill>
                   <a:srgbClr val="000000"/>
                 </a:solidFill>
@@ -6909,6 +6910,167 @@
 </p:sld>
 </file>
 
+<file path=ppt/slides/slide14.xml><?xml version="1.0" encoding="utf-8"?>
+<p:sld xmlns:a="http://schemas.openxmlformats.org/drawingml/2006/main" xmlns:r="http://schemas.openxmlformats.org/officeDocument/2006/relationships" xmlns:p="http://schemas.openxmlformats.org/presentationml/2006/main">
+  <p:cSld>
+    <p:spTree>
+      <p:nvGrpSpPr>
+        <p:cNvPr id="1" name=""/>
+        <p:cNvGrpSpPr/>
+        <p:nvPr/>
+      </p:nvGrpSpPr>
+      <p:grpSpPr>
+        <a:xfrm>
+          <a:off x="0" y="0"/>
+          <a:ext cx="0" cy="0"/>
+          <a:chOff x="0" y="0"/>
+          <a:chExt cx="0" cy="0"/>
+        </a:xfrm>
+      </p:grpSpPr>
+      <p:sp>
+        <p:nvSpPr>
+          <p:cNvPr id="2" name="Titre 1">
+            <a:extLst>
+              <a:ext uri="{FF2B5EF4-FFF2-40B4-BE49-F238E27FC236}">
+                <a16:creationId xmlns:a16="http://schemas.microsoft.com/office/drawing/2014/main" id="{CA958703-C4FA-4E7A-AE79-05AE363DDB38}"/>
+              </a:ext>
+            </a:extLst>
+          </p:cNvPr>
+          <p:cNvSpPr>
+            <a:spLocks noGrp="1"/>
+          </p:cNvSpPr>
+          <p:nvPr>
+            <p:ph type="title"/>
+          </p:nvPr>
+        </p:nvSpPr>
+        <p:spPr/>
+        <p:txBody>
+          <a:bodyPr/>
+          <a:lstStyle/>
+          <a:p>
+            <a:r>
+              <a:rPr lang="fr-FR" dirty="0"/>
+              <a:t>Exercices</a:t>
+            </a:r>
+          </a:p>
+        </p:txBody>
+      </p:sp>
+      <p:sp>
+        <p:nvSpPr>
+          <p:cNvPr id="3" name="Espace réservé du contenu 2">
+            <a:extLst>
+              <a:ext uri="{FF2B5EF4-FFF2-40B4-BE49-F238E27FC236}">
+                <a16:creationId xmlns:a16="http://schemas.microsoft.com/office/drawing/2014/main" id="{6BF36440-A315-4495-A84F-0EA045E54434}"/>
+              </a:ext>
+            </a:extLst>
+          </p:cNvPr>
+          <p:cNvSpPr>
+            <a:spLocks noGrp="1"/>
+          </p:cNvSpPr>
+          <p:nvPr>
+            <p:ph idx="1"/>
+          </p:nvPr>
+        </p:nvSpPr>
+        <p:spPr/>
+        <p:txBody>
+          <a:bodyPr/>
+          <a:lstStyle/>
+          <a:p>
+            <a:r>
+              <a:rPr lang="fr-FR" dirty="0"/>
+              <a:t>Pour tester l’exécution de requêtes SQL simples :</a:t>
+            </a:r>
+          </a:p>
+          <a:p>
+            <a:pPr lvl="1"/>
+            <a:r>
+              <a:rPr lang="fr-FR" dirty="0"/>
+              <a:t>Sauvegardez en BDD les opérations effectuées au fur et à mesure de la saisie</a:t>
+            </a:r>
+          </a:p>
+          <a:p>
+            <a:pPr lvl="1"/>
+            <a:r>
+              <a:rPr lang="fr-FR" dirty="0"/>
+              <a:t>Séparez bien d’un côté le code actuel de récupération et calcul de celui qui sauvegarde en BDD ces informations</a:t>
+            </a:r>
+          </a:p>
+          <a:p>
+            <a:r>
+              <a:rPr lang="fr-FR" dirty="0"/>
+              <a:t>Pour tester la récupération de données :</a:t>
+            </a:r>
+          </a:p>
+          <a:p>
+            <a:pPr lvl="1"/>
+            <a:r>
+              <a:rPr lang="fr-FR" dirty="0"/>
+              <a:t>Modifiez le code permettant d’afficher toutes les opérations effectuées depuis le démarrage de l’application pour que celui-ci récupère ces informations dans la base de données</a:t>
+            </a:r>
+          </a:p>
+          <a:p>
+            <a:pPr lvl="1"/>
+            <a:r>
+              <a:rPr lang="fr-FR" dirty="0"/>
+              <a:t>Ici de même, séparez bien l’opération de récupération des informations de celui permettant de l’afficher.</a:t>
+            </a:r>
+          </a:p>
+          <a:p>
+            <a:r>
+              <a:rPr lang="fr-FR" dirty="0"/>
+              <a:t>Pensez bien à réfléchir à la portée des méthodes et classes que vous allez définir.</a:t>
+            </a:r>
+          </a:p>
+          <a:p>
+            <a:r>
+              <a:rPr lang="fr-FR" dirty="0"/>
+              <a:t>Puis, une fois cela effectué, à partir de votre base de données d’un côté, et des classes représentant votre domaine métier de l’autre, recomposez en groupe une petite application console qui simulera votre projet, à la manière de celui proposé pendant ce cours.</a:t>
+            </a:r>
+          </a:p>
+        </p:txBody>
+      </p:sp>
+      <p:sp>
+        <p:nvSpPr>
+          <p:cNvPr id="4" name="Espace réservé du numéro de diapositive 3">
+            <a:extLst>
+              <a:ext uri="{FF2B5EF4-FFF2-40B4-BE49-F238E27FC236}">
+                <a16:creationId xmlns:a16="http://schemas.microsoft.com/office/drawing/2014/main" id="{50D1D469-FE31-4358-A1FF-480BF85014C1}"/>
+              </a:ext>
+            </a:extLst>
+          </p:cNvPr>
+          <p:cNvSpPr>
+            <a:spLocks noGrp="1"/>
+          </p:cNvSpPr>
+          <p:nvPr>
+            <p:ph type="sldNum" sz="quarter" idx="12"/>
+          </p:nvPr>
+        </p:nvSpPr>
+        <p:spPr/>
+        <p:txBody>
+          <a:bodyPr/>
+          <a:lstStyle/>
+          <a:p>
+            <a:fld id="{C4488D40-6A2B-42CD-9565-99D41B29C2DA}" type="slidenum">
+              <a:rPr lang="fr-FR" smtClean="0"/>
+              <a:t>14</a:t>
+            </a:fld>
+            <a:endParaRPr lang="fr-FR"/>
+          </a:p>
+        </p:txBody>
+      </p:sp>
+    </p:spTree>
+    <p:extLst>
+      <p:ext uri="{BB962C8B-B14F-4D97-AF65-F5344CB8AC3E}">
+        <p14:creationId xmlns:p14="http://schemas.microsoft.com/office/powerpoint/2010/main" val="2965388455"/>
+      </p:ext>
+    </p:extLst>
+  </p:cSld>
+  <p:clrMapOvr>
+    <a:masterClrMapping/>
+  </p:clrMapOvr>
+</p:sld>
+</file>
+
 <file path=ppt/slides/slide2.xml><?xml version="1.0" encoding="utf-8"?>
 <p:sld xmlns:a="http://schemas.openxmlformats.org/drawingml/2006/main" xmlns:r="http://schemas.openxmlformats.org/officeDocument/2006/relationships" xmlns:p="http://schemas.openxmlformats.org/presentationml/2006/main">
   <p:cSld>
@@ -7401,8 +7563,13 @@
           <a:p>
             <a:r>
               <a:rPr lang="fr-FR" dirty="0"/>
-              <a:t>Anatomie d’un programme</a:t>
-            </a:r>
+              <a:t>Anatomie d’un accès </a:t>
+            </a:r>
+            <a:r>
+              <a:rPr lang="fr-FR" dirty="0" err="1"/>
+              <a:t>ADO.Net</a:t>
+            </a:r>
+            <a:endParaRPr lang="fr-FR" dirty="0"/>
           </a:p>
         </p:txBody>
       </p:sp>
